--- a/Projects_from_students/rabin_osti/Contact Management System Using Doubly Linked List (1).pptx
+++ b/Projects_from_students/rabin_osti/Contact Management System Using Doubly Linked List (1).pptx
@@ -1,87 +1,57 @@
 
 <file path=ppt/presentation.xml><?xml version="1.0" encoding="utf-8"?>
-<p:presentation xmlns:a="http://schemas.openxmlformats.org/drawingml/2006/main" xmlns:r="http://schemas.openxmlformats.org/officeDocument/2006/relationships" xmlns:p="http://schemas.openxmlformats.org/presentationml/2006/main" saveSubsetFonts="1" embedTrueTypeFonts="true">
+<p:presentation xmlns:a="http://schemas.openxmlformats.org/drawingml/2006/main" xmlns:r="http://schemas.openxmlformats.org/officeDocument/2006/relationships" xmlns:p="http://schemas.openxmlformats.org/presentationml/2006/main" embedTrueTypeFonts="1" saveSubsetFonts="1">
   <p:sldMasterIdLst>
     <p:sldMasterId id="2147483648" r:id="rId1"/>
   </p:sldMasterIdLst>
   <p:sldIdLst>
-    <p:sldId id="256" r:id="rId23"/>
-    <p:sldId id="257" r:id="rId24"/>
-    <p:sldId id="258" r:id="rId25"/>
-    <p:sldId id="259" r:id="rId26"/>
-    <p:sldId id="260" r:id="rId27"/>
-    <p:sldId id="261" r:id="rId28"/>
-    <p:sldId id="262" r:id="rId29"/>
+    <p:sldId id="256" r:id="rId2"/>
+    <p:sldId id="257" r:id="rId3"/>
+    <p:sldId id="258" r:id="rId4"/>
+    <p:sldId id="259" r:id="rId5"/>
+    <p:sldId id="260" r:id="rId6"/>
+    <p:sldId id="261" r:id="rId7"/>
+    <p:sldId id="262" r:id="rId8"/>
   </p:sldIdLst>
   <p:sldSz cx="18288000" cy="10287000"/>
   <p:notesSz cx="6858000" cy="9144000"/>
   <p:embeddedFontLst>
     <p:embeddedFont>
-      <p:font typeface="Glacial Indifference" charset="1" panose="00000000000000000000"/>
-      <p:regular r:id="rId6"/>
+      <p:font typeface="Calibri" panose="020F0502020204030204" pitchFamily="34" charset="0"/>
+      <p:regular r:id="rId9"/>
+      <p:bold r:id="rId10"/>
+      <p:italic r:id="rId11"/>
+      <p:boldItalic r:id="rId12"/>
     </p:embeddedFont>
     <p:embeddedFont>
-      <p:font typeface="Glacial Indifference Bold" charset="1" panose="00000800000000000000"/>
-      <p:regular r:id="rId7"/>
-    </p:embeddedFont>
-    <p:embeddedFont>
-      <p:font typeface="Glacial Indifference Italics" charset="1" panose="00000000000000000000"/>
-      <p:regular r:id="rId8"/>
-    </p:embeddedFont>
-    <p:embeddedFont>
-      <p:font typeface="Glacial Indifference Bold Italics" charset="1" panose="00000800000000000000"/>
-      <p:regular r:id="rId9"/>
-    </p:embeddedFont>
-    <p:embeddedFont>
-      <p:font typeface="Playfair Display" charset="1" panose="00000500000000000000"/>
-      <p:regular r:id="rId10"/>
-    </p:embeddedFont>
-    <p:embeddedFont>
-      <p:font typeface="Playfair Display Bold" charset="1" panose="00000800000000000000"/>
-      <p:regular r:id="rId11"/>
-    </p:embeddedFont>
-    <p:embeddedFont>
-      <p:font typeface="Playfair Display Italics" charset="1" panose="00000500000000000000"/>
-      <p:regular r:id="rId12"/>
-    </p:embeddedFont>
-    <p:embeddedFont>
-      <p:font typeface="Playfair Display Bold Italics" charset="1" panose="00000800000000000000"/>
+      <p:font typeface="Canva Sans" panose="020B0604020202020204" charset="0"/>
       <p:regular r:id="rId13"/>
     </p:embeddedFont>
     <p:embeddedFont>
-      <p:font typeface="Arimo" charset="1" panose="020B0604020202020204"/>
+      <p:font typeface="Canva Sans Bold" panose="020B0604020202020204" charset="0"/>
       <p:regular r:id="rId14"/>
     </p:embeddedFont>
     <p:embeddedFont>
-      <p:font typeface="Arimo Bold" charset="1" panose="020B0704020202020204"/>
+      <p:font typeface="Glacial Indifference" panose="020B0604020202020204" charset="0"/>
       <p:regular r:id="rId15"/>
     </p:embeddedFont>
     <p:embeddedFont>
-      <p:font typeface="Arimo Italics" charset="1" panose="020B0604020202090204"/>
+      <p:font typeface="Glacial Indifference Bold" panose="020B0604020202020204" charset="0"/>
       <p:regular r:id="rId16"/>
     </p:embeddedFont>
     <p:embeddedFont>
-      <p:font typeface="Arimo Bold Italics" charset="1" panose="020B0704020202090204"/>
+      <p:font typeface="League Spartan" panose="020B0604020202020204" charset="0"/>
       <p:regular r:id="rId17"/>
     </p:embeddedFont>
     <p:embeddedFont>
-      <p:font typeface="League Spartan" charset="1" panose="00000800000000000000"/>
+      <p:font typeface="Playfair Display" panose="00000500000000000000" pitchFamily="2" charset="0"/>
       <p:regular r:id="rId18"/>
+      <p:bold r:id="rId19"/>
+      <p:italic r:id="rId20"/>
+      <p:boldItalic r:id="rId21"/>
     </p:embeddedFont>
     <p:embeddedFont>
-      <p:font typeface="Canva Sans" charset="1" panose="020B0503030501040103"/>
-      <p:regular r:id="rId19"/>
-    </p:embeddedFont>
-    <p:embeddedFont>
-      <p:font typeface="Canva Sans Bold" charset="1" panose="020B0803030501040103"/>
-      <p:regular r:id="rId20"/>
-    </p:embeddedFont>
-    <p:embeddedFont>
-      <p:font typeface="Canva Sans Italics" charset="1" panose="020B0503030501040103"/>
-      <p:regular r:id="rId21"/>
-    </p:embeddedFont>
-    <p:embeddedFont>
-      <p:font typeface="Canva Sans Bold Italics" charset="1" panose="020B0803030501040103"/>
+      <p:font typeface="Playfair Display Bold" panose="00000800000000000000" charset="0"/>
       <p:regular r:id="rId22"/>
     </p:embeddedFont>
   </p:embeddedFontLst>
@@ -180,6 +150,22 @@
       </a:defRPr>
     </a:lvl9pPr>
   </p:defaultTextStyle>
+  <p:extLst>
+    <p:ext uri="{EFAFB233-063F-42B5-8137-9DF3F51BA10A}">
+      <p15:sldGuideLst xmlns:p15="http://schemas.microsoft.com/office/powerpoint/2012/main">
+        <p15:guide id="1" orient="horz" pos="2160">
+          <p15:clr>
+            <a:srgbClr val="A4A3A4"/>
+          </p15:clr>
+        </p15:guide>
+        <p15:guide id="2" pos="2880">
+          <p15:clr>
+            <a:srgbClr val="A4A3A4"/>
+          </p15:clr>
+        </p15:guide>
+      </p15:sldGuideLst>
+    </p:ext>
+  </p:extLst>
 </p:presentation>
 </file>
 
@@ -221,10 +207,9 @@
           <a:lstStyle/>
           <a:p>
             <a:r>
-              <a:rPr lang="en-US" smtClean="0"/>
+              <a:rPr lang="en-US"/>
               <a:t>Click to edit Master title style</a:t>
             </a:r>
-            <a:endParaRPr lang="en-US"/>
           </a:p>
         </p:txBody>
       </p:sp>
@@ -340,10 +325,9 @@
           </a:lstStyle>
           <a:p>
             <a:r>
-              <a:rPr lang="en-US" smtClean="0"/>
+              <a:rPr lang="en-US"/>
               <a:t>Click to edit Master subtitle style</a:t>
             </a:r>
-            <a:endParaRPr lang="en-US"/>
           </a:p>
         </p:txBody>
       </p:sp>
@@ -365,7 +349,7 @@
             <a:fld id="{1D8BD707-D9CF-40AE-B4C6-C98DA3205C09}" type="datetimeFigureOut">
               <a:rPr lang="en-US" smtClean="0"/>
               <a:pPr/>
-              <a:t>8/1/2011</a:t>
+              <a:t>2/18/2023</a:t>
             </a:fld>
             <a:endParaRPr lang="en-US"/>
           </a:p>
@@ -455,10 +439,9 @@
           <a:lstStyle/>
           <a:p>
             <a:r>
-              <a:rPr lang="en-US" smtClean="0"/>
+              <a:rPr lang="en-US"/>
               <a:t>Click to edit Master title style</a:t>
             </a:r>
-            <a:endParaRPr lang="en-US"/>
           </a:p>
         </p:txBody>
       </p:sp>
@@ -479,38 +462,37 @@
           <a:p>
             <a:pPr lvl="0"/>
             <a:r>
-              <a:rPr lang="en-US" smtClean="0"/>
+              <a:rPr lang="en-US"/>
               <a:t>Click to edit Master text styles</a:t>
             </a:r>
           </a:p>
           <a:p>
             <a:pPr lvl="1"/>
             <a:r>
-              <a:rPr lang="en-US" smtClean="0"/>
+              <a:rPr lang="en-US"/>
               <a:t>Second level</a:t>
             </a:r>
           </a:p>
           <a:p>
             <a:pPr lvl="2"/>
             <a:r>
-              <a:rPr lang="en-US" smtClean="0"/>
+              <a:rPr lang="en-US"/>
               <a:t>Third level</a:t>
             </a:r>
           </a:p>
           <a:p>
             <a:pPr lvl="3"/>
             <a:r>
-              <a:rPr lang="en-US" smtClean="0"/>
+              <a:rPr lang="en-US"/>
               <a:t>Fourth level</a:t>
             </a:r>
           </a:p>
           <a:p>
             <a:pPr lvl="4"/>
             <a:r>
-              <a:rPr lang="en-US" smtClean="0"/>
+              <a:rPr lang="en-US"/>
               <a:t>Fifth level</a:t>
             </a:r>
-            <a:endParaRPr lang="en-US"/>
           </a:p>
         </p:txBody>
       </p:sp>
@@ -532,7 +514,7 @@
             <a:fld id="{1D8BD707-D9CF-40AE-B4C6-C98DA3205C09}" type="datetimeFigureOut">
               <a:rPr lang="en-US" smtClean="0"/>
               <a:pPr/>
-              <a:t>8/1/2011</a:t>
+              <a:t>2/18/2023</a:t>
             </a:fld>
             <a:endParaRPr lang="en-US"/>
           </a:p>
@@ -627,10 +609,9 @@
           <a:lstStyle/>
           <a:p>
             <a:r>
-              <a:rPr lang="en-US" smtClean="0"/>
+              <a:rPr lang="en-US"/>
               <a:t>Click to edit Master title style</a:t>
             </a:r>
-            <a:endParaRPr lang="en-US"/>
           </a:p>
         </p:txBody>
       </p:sp>
@@ -656,38 +637,37 @@
           <a:p>
             <a:pPr lvl="0"/>
             <a:r>
-              <a:rPr lang="en-US" smtClean="0"/>
+              <a:rPr lang="en-US"/>
               <a:t>Click to edit Master text styles</a:t>
             </a:r>
           </a:p>
           <a:p>
             <a:pPr lvl="1"/>
             <a:r>
-              <a:rPr lang="en-US" smtClean="0"/>
+              <a:rPr lang="en-US"/>
               <a:t>Second level</a:t>
             </a:r>
           </a:p>
           <a:p>
             <a:pPr lvl="2"/>
             <a:r>
-              <a:rPr lang="en-US" smtClean="0"/>
+              <a:rPr lang="en-US"/>
               <a:t>Third level</a:t>
             </a:r>
           </a:p>
           <a:p>
             <a:pPr lvl="3"/>
             <a:r>
-              <a:rPr lang="en-US" smtClean="0"/>
+              <a:rPr lang="en-US"/>
               <a:t>Fourth level</a:t>
             </a:r>
           </a:p>
           <a:p>
             <a:pPr lvl="4"/>
             <a:r>
-              <a:rPr lang="en-US" smtClean="0"/>
+              <a:rPr lang="en-US"/>
               <a:t>Fifth level</a:t>
             </a:r>
-            <a:endParaRPr lang="en-US"/>
           </a:p>
         </p:txBody>
       </p:sp>
@@ -709,7 +689,7 @@
             <a:fld id="{1D8BD707-D9CF-40AE-B4C6-C98DA3205C09}" type="datetimeFigureOut">
               <a:rPr lang="en-US" smtClean="0"/>
               <a:pPr/>
-              <a:t>8/1/2011</a:t>
+              <a:t>2/18/2023</a:t>
             </a:fld>
             <a:endParaRPr lang="en-US"/>
           </a:p>
@@ -799,10 +779,9 @@
           <a:lstStyle/>
           <a:p>
             <a:r>
-              <a:rPr lang="en-US" smtClean="0"/>
+              <a:rPr lang="en-US"/>
               <a:t>Click to edit Master title style</a:t>
             </a:r>
-            <a:endParaRPr lang="en-US"/>
           </a:p>
         </p:txBody>
       </p:sp>
@@ -823,38 +802,37 @@
           <a:p>
             <a:pPr lvl="0"/>
             <a:r>
-              <a:rPr lang="en-US" smtClean="0"/>
+              <a:rPr lang="en-US"/>
               <a:t>Click to edit Master text styles</a:t>
             </a:r>
           </a:p>
           <a:p>
             <a:pPr lvl="1"/>
             <a:r>
-              <a:rPr lang="en-US" smtClean="0"/>
+              <a:rPr lang="en-US"/>
               <a:t>Second level</a:t>
             </a:r>
           </a:p>
           <a:p>
             <a:pPr lvl="2"/>
             <a:r>
-              <a:rPr lang="en-US" smtClean="0"/>
+              <a:rPr lang="en-US"/>
               <a:t>Third level</a:t>
             </a:r>
           </a:p>
           <a:p>
             <a:pPr lvl="3"/>
             <a:r>
-              <a:rPr lang="en-US" smtClean="0"/>
+              <a:rPr lang="en-US"/>
               <a:t>Fourth level</a:t>
             </a:r>
           </a:p>
           <a:p>
             <a:pPr lvl="4"/>
             <a:r>
-              <a:rPr lang="en-US" smtClean="0"/>
+              <a:rPr lang="en-US"/>
               <a:t>Fifth level</a:t>
             </a:r>
-            <a:endParaRPr lang="en-US"/>
           </a:p>
         </p:txBody>
       </p:sp>
@@ -876,7 +854,7 @@
             <a:fld id="{1D8BD707-D9CF-40AE-B4C6-C98DA3205C09}" type="datetimeFigureOut">
               <a:rPr lang="en-US" smtClean="0"/>
               <a:pPr/>
-              <a:t>8/1/2011</a:t>
+              <a:t>2/18/2023</a:t>
             </a:fld>
             <a:endParaRPr lang="en-US"/>
           </a:p>
@@ -975,10 +953,9 @@
           </a:lstStyle>
           <a:p>
             <a:r>
-              <a:rPr lang="en-US" smtClean="0"/>
+              <a:rPr lang="en-US"/>
               <a:t>Click to edit Master title style</a:t>
             </a:r>
-            <a:endParaRPr lang="en-US"/>
           </a:p>
         </p:txBody>
       </p:sp>
@@ -1095,7 +1072,7 @@
           <a:p>
             <a:pPr lvl="0"/>
             <a:r>
-              <a:rPr lang="en-US" smtClean="0"/>
+              <a:rPr lang="en-US"/>
               <a:t>Click to edit Master text styles</a:t>
             </a:r>
           </a:p>
@@ -1119,7 +1096,7 @@
             <a:fld id="{1D8BD707-D9CF-40AE-B4C6-C98DA3205C09}" type="datetimeFigureOut">
               <a:rPr lang="en-US" smtClean="0"/>
               <a:pPr/>
-              <a:t>8/1/2011</a:t>
+              <a:t>2/18/2023</a:t>
             </a:fld>
             <a:endParaRPr lang="en-US"/>
           </a:p>
@@ -1209,10 +1186,9 @@
           <a:lstStyle/>
           <a:p>
             <a:r>
-              <a:rPr lang="en-US" smtClean="0"/>
+              <a:rPr lang="en-US"/>
               <a:t>Click to edit Master title style</a:t>
             </a:r>
-            <a:endParaRPr lang="en-US"/>
           </a:p>
         </p:txBody>
       </p:sp>
@@ -1266,38 +1242,37 @@
           <a:p>
             <a:pPr lvl="0"/>
             <a:r>
-              <a:rPr lang="en-US" smtClean="0"/>
+              <a:rPr lang="en-US"/>
               <a:t>Click to edit Master text styles</a:t>
             </a:r>
           </a:p>
           <a:p>
             <a:pPr lvl="1"/>
             <a:r>
-              <a:rPr lang="en-US" smtClean="0"/>
+              <a:rPr lang="en-US"/>
               <a:t>Second level</a:t>
             </a:r>
           </a:p>
           <a:p>
             <a:pPr lvl="2"/>
             <a:r>
-              <a:rPr lang="en-US" smtClean="0"/>
+              <a:rPr lang="en-US"/>
               <a:t>Third level</a:t>
             </a:r>
           </a:p>
           <a:p>
             <a:pPr lvl="3"/>
             <a:r>
-              <a:rPr lang="en-US" smtClean="0"/>
+              <a:rPr lang="en-US"/>
               <a:t>Fourth level</a:t>
             </a:r>
           </a:p>
           <a:p>
             <a:pPr lvl="4"/>
             <a:r>
-              <a:rPr lang="en-US" smtClean="0"/>
+              <a:rPr lang="en-US"/>
               <a:t>Fifth level</a:t>
             </a:r>
-            <a:endParaRPr lang="en-US"/>
           </a:p>
         </p:txBody>
       </p:sp>
@@ -1351,38 +1326,37 @@
           <a:p>
             <a:pPr lvl="0"/>
             <a:r>
-              <a:rPr lang="en-US" smtClean="0"/>
+              <a:rPr lang="en-US"/>
               <a:t>Click to edit Master text styles</a:t>
             </a:r>
           </a:p>
           <a:p>
             <a:pPr lvl="1"/>
             <a:r>
-              <a:rPr lang="en-US" smtClean="0"/>
+              <a:rPr lang="en-US"/>
               <a:t>Second level</a:t>
             </a:r>
           </a:p>
           <a:p>
             <a:pPr lvl="2"/>
             <a:r>
-              <a:rPr lang="en-US" smtClean="0"/>
+              <a:rPr lang="en-US"/>
               <a:t>Third level</a:t>
             </a:r>
           </a:p>
           <a:p>
             <a:pPr lvl="3"/>
             <a:r>
-              <a:rPr lang="en-US" smtClean="0"/>
+              <a:rPr lang="en-US"/>
               <a:t>Fourth level</a:t>
             </a:r>
           </a:p>
           <a:p>
             <a:pPr lvl="4"/>
             <a:r>
-              <a:rPr lang="en-US" smtClean="0"/>
+              <a:rPr lang="en-US"/>
               <a:t>Fifth level</a:t>
             </a:r>
-            <a:endParaRPr lang="en-US"/>
           </a:p>
         </p:txBody>
       </p:sp>
@@ -1404,7 +1378,7 @@
             <a:fld id="{1D8BD707-D9CF-40AE-B4C6-C98DA3205C09}" type="datetimeFigureOut">
               <a:rPr lang="en-US" smtClean="0"/>
               <a:pPr/>
-              <a:t>8/1/2011</a:t>
+              <a:t>2/18/2023</a:t>
             </a:fld>
             <a:endParaRPr lang="en-US"/>
           </a:p>
@@ -1498,10 +1472,9 @@
           </a:lstStyle>
           <a:p>
             <a:r>
-              <a:rPr lang="en-US" smtClean="0"/>
+              <a:rPr lang="en-US"/>
               <a:t>Click to edit Master title style</a:t>
             </a:r>
-            <a:endParaRPr lang="en-US"/>
           </a:p>
         </p:txBody>
       </p:sp>
@@ -1564,7 +1537,7 @@
           <a:p>
             <a:pPr lvl="0"/>
             <a:r>
-              <a:rPr lang="en-US" smtClean="0"/>
+              <a:rPr lang="en-US"/>
               <a:t>Click to edit Master text styles</a:t>
             </a:r>
           </a:p>
@@ -1620,38 +1593,37 @@
           <a:p>
             <a:pPr lvl="0"/>
             <a:r>
-              <a:rPr lang="en-US" smtClean="0"/>
+              <a:rPr lang="en-US"/>
               <a:t>Click to edit Master text styles</a:t>
             </a:r>
           </a:p>
           <a:p>
             <a:pPr lvl="1"/>
             <a:r>
-              <a:rPr lang="en-US" smtClean="0"/>
+              <a:rPr lang="en-US"/>
               <a:t>Second level</a:t>
             </a:r>
           </a:p>
           <a:p>
             <a:pPr lvl="2"/>
             <a:r>
-              <a:rPr lang="en-US" smtClean="0"/>
+              <a:rPr lang="en-US"/>
               <a:t>Third level</a:t>
             </a:r>
           </a:p>
           <a:p>
             <a:pPr lvl="3"/>
             <a:r>
-              <a:rPr lang="en-US" smtClean="0"/>
+              <a:rPr lang="en-US"/>
               <a:t>Fourth level</a:t>
             </a:r>
           </a:p>
           <a:p>
             <a:pPr lvl="4"/>
             <a:r>
-              <a:rPr lang="en-US" smtClean="0"/>
+              <a:rPr lang="en-US"/>
               <a:t>Fifth level</a:t>
             </a:r>
-            <a:endParaRPr lang="en-US"/>
           </a:p>
         </p:txBody>
       </p:sp>
@@ -1714,7 +1686,7 @@
           <a:p>
             <a:pPr lvl="0"/>
             <a:r>
-              <a:rPr lang="en-US" smtClean="0"/>
+              <a:rPr lang="en-US"/>
               <a:t>Click to edit Master text styles</a:t>
             </a:r>
           </a:p>
@@ -1770,38 +1742,37 @@
           <a:p>
             <a:pPr lvl="0"/>
             <a:r>
-              <a:rPr lang="en-US" smtClean="0"/>
+              <a:rPr lang="en-US"/>
               <a:t>Click to edit Master text styles</a:t>
             </a:r>
           </a:p>
           <a:p>
             <a:pPr lvl="1"/>
             <a:r>
-              <a:rPr lang="en-US" smtClean="0"/>
+              <a:rPr lang="en-US"/>
               <a:t>Second level</a:t>
             </a:r>
           </a:p>
           <a:p>
             <a:pPr lvl="2"/>
             <a:r>
-              <a:rPr lang="en-US" smtClean="0"/>
+              <a:rPr lang="en-US"/>
               <a:t>Third level</a:t>
             </a:r>
           </a:p>
           <a:p>
             <a:pPr lvl="3"/>
             <a:r>
-              <a:rPr lang="en-US" smtClean="0"/>
+              <a:rPr lang="en-US"/>
               <a:t>Fourth level</a:t>
             </a:r>
           </a:p>
           <a:p>
             <a:pPr lvl="4"/>
             <a:r>
-              <a:rPr lang="en-US" smtClean="0"/>
+              <a:rPr lang="en-US"/>
               <a:t>Fifth level</a:t>
             </a:r>
-            <a:endParaRPr lang="en-US"/>
           </a:p>
         </p:txBody>
       </p:sp>
@@ -1823,7 +1794,7 @@
             <a:fld id="{1D8BD707-D9CF-40AE-B4C6-C98DA3205C09}" type="datetimeFigureOut">
               <a:rPr lang="en-US" smtClean="0"/>
               <a:pPr/>
-              <a:t>8/1/2011</a:t>
+              <a:t>2/18/2023</a:t>
             </a:fld>
             <a:endParaRPr lang="en-US"/>
           </a:p>
@@ -1913,10 +1884,9 @@
           <a:lstStyle/>
           <a:p>
             <a:r>
-              <a:rPr lang="en-US" smtClean="0"/>
+              <a:rPr lang="en-US"/>
               <a:t>Click to edit Master title style</a:t>
             </a:r>
-            <a:endParaRPr lang="en-US"/>
           </a:p>
         </p:txBody>
       </p:sp>
@@ -1938,7 +1908,7 @@
             <a:fld id="{1D8BD707-D9CF-40AE-B4C6-C98DA3205C09}" type="datetimeFigureOut">
               <a:rPr lang="en-US" smtClean="0"/>
               <a:pPr/>
-              <a:t>8/1/2011</a:t>
+              <a:t>2/18/2023</a:t>
             </a:fld>
             <a:endParaRPr lang="en-US"/>
           </a:p>
@@ -2030,7 +2000,7 @@
             <a:fld id="{1D8BD707-D9CF-40AE-B4C6-C98DA3205C09}" type="datetimeFigureOut">
               <a:rPr lang="en-US" smtClean="0"/>
               <a:pPr/>
-              <a:t>8/1/2011</a:t>
+              <a:t>2/18/2023</a:t>
             </a:fld>
             <a:endParaRPr lang="en-US"/>
           </a:p>
@@ -2129,10 +2099,9 @@
           </a:lstStyle>
           <a:p>
             <a:r>
-              <a:rPr lang="en-US" smtClean="0"/>
+              <a:rPr lang="en-US"/>
               <a:t>Click to edit Master title style</a:t>
             </a:r>
-            <a:endParaRPr lang="en-US"/>
           </a:p>
         </p:txBody>
       </p:sp>
@@ -2186,38 +2155,37 @@
           <a:p>
             <a:pPr lvl="0"/>
             <a:r>
-              <a:rPr lang="en-US" smtClean="0"/>
+              <a:rPr lang="en-US"/>
               <a:t>Click to edit Master text styles</a:t>
             </a:r>
           </a:p>
           <a:p>
             <a:pPr lvl="1"/>
             <a:r>
-              <a:rPr lang="en-US" smtClean="0"/>
+              <a:rPr lang="en-US"/>
               <a:t>Second level</a:t>
             </a:r>
           </a:p>
           <a:p>
             <a:pPr lvl="2"/>
             <a:r>
-              <a:rPr lang="en-US" smtClean="0"/>
+              <a:rPr lang="en-US"/>
               <a:t>Third level</a:t>
             </a:r>
           </a:p>
           <a:p>
             <a:pPr lvl="3"/>
             <a:r>
-              <a:rPr lang="en-US" smtClean="0"/>
+              <a:rPr lang="en-US"/>
               <a:t>Fourth level</a:t>
             </a:r>
           </a:p>
           <a:p>
             <a:pPr lvl="4"/>
             <a:r>
-              <a:rPr lang="en-US" smtClean="0"/>
+              <a:rPr lang="en-US"/>
               <a:t>Fifth level</a:t>
             </a:r>
-            <a:endParaRPr lang="en-US"/>
           </a:p>
         </p:txBody>
       </p:sp>
@@ -2280,7 +2248,7 @@
           <a:p>
             <a:pPr lvl="0"/>
             <a:r>
-              <a:rPr lang="en-US" smtClean="0"/>
+              <a:rPr lang="en-US"/>
               <a:t>Click to edit Master text styles</a:t>
             </a:r>
           </a:p>
@@ -2304,7 +2272,7 @@
             <a:fld id="{1D8BD707-D9CF-40AE-B4C6-C98DA3205C09}" type="datetimeFigureOut">
               <a:rPr lang="en-US" smtClean="0"/>
               <a:pPr/>
-              <a:t>8/1/2011</a:t>
+              <a:t>2/18/2023</a:t>
             </a:fld>
             <a:endParaRPr lang="en-US"/>
           </a:p>
@@ -2403,10 +2371,9 @@
           </a:lstStyle>
           <a:p>
             <a:r>
-              <a:rPr lang="en-US" smtClean="0"/>
+              <a:rPr lang="en-US"/>
               <a:t>Click to edit Master title style</a:t>
             </a:r>
-            <a:endParaRPr lang="en-US"/>
           </a:p>
         </p:txBody>
       </p:sp>
@@ -2530,7 +2497,7 @@
           <a:p>
             <a:pPr lvl="0"/>
             <a:r>
-              <a:rPr lang="en-US" smtClean="0"/>
+              <a:rPr lang="en-US"/>
               <a:t>Click to edit Master text styles</a:t>
             </a:r>
           </a:p>
@@ -2554,7 +2521,7 @@
             <a:fld id="{1D8BD707-D9CF-40AE-B4C6-C98DA3205C09}" type="datetimeFigureOut">
               <a:rPr lang="en-US" smtClean="0"/>
               <a:pPr/>
-              <a:t>8/1/2011</a:t>
+              <a:t>2/18/2023</a:t>
             </a:fld>
             <a:endParaRPr lang="en-US"/>
           </a:p>
@@ -2659,10 +2626,9 @@
           <a:lstStyle/>
           <a:p>
             <a:r>
-              <a:rPr lang="en-US" smtClean="0"/>
+              <a:rPr lang="en-US"/>
               <a:t>Click to edit Master title style</a:t>
             </a:r>
-            <a:endParaRPr lang="en-US"/>
           </a:p>
         </p:txBody>
       </p:sp>
@@ -2693,38 +2659,37 @@
           <a:p>
             <a:pPr lvl="0"/>
             <a:r>
-              <a:rPr lang="en-US" smtClean="0"/>
+              <a:rPr lang="en-US"/>
               <a:t>Click to edit Master text styles</a:t>
             </a:r>
           </a:p>
           <a:p>
             <a:pPr lvl="1"/>
             <a:r>
-              <a:rPr lang="en-US" smtClean="0"/>
+              <a:rPr lang="en-US"/>
               <a:t>Second level</a:t>
             </a:r>
           </a:p>
           <a:p>
             <a:pPr lvl="2"/>
             <a:r>
-              <a:rPr lang="en-US" smtClean="0"/>
+              <a:rPr lang="en-US"/>
               <a:t>Third level</a:t>
             </a:r>
           </a:p>
           <a:p>
             <a:pPr lvl="3"/>
             <a:r>
-              <a:rPr lang="en-US" smtClean="0"/>
+              <a:rPr lang="en-US"/>
               <a:t>Fourth level</a:t>
             </a:r>
           </a:p>
           <a:p>
             <a:pPr lvl="4"/>
             <a:r>
-              <a:rPr lang="en-US" smtClean="0"/>
+              <a:rPr lang="en-US"/>
               <a:t>Fifth level</a:t>
             </a:r>
-            <a:endParaRPr lang="en-US"/>
           </a:p>
         </p:txBody>
       </p:sp>
@@ -2764,7 +2729,7 @@
             <a:fld id="{1D8BD707-D9CF-40AE-B4C6-C98DA3205C09}" type="datetimeFigureOut">
               <a:rPr lang="en-US" smtClean="0"/>
               <a:pPr/>
-              <a:t>8/1/2011</a:t>
+              <a:t>2/18/2023</a:t>
             </a:fld>
             <a:endParaRPr lang="en-US"/>
           </a:p>
@@ -3119,7 +3084,7 @@
 </file>
 
 <file path=ppt/slides/slide1.xml><?xml version="1.0" encoding="utf-8"?>
-<p:sld xmlns:p="http://schemas.openxmlformats.org/presentationml/2006/main" xmlns:a="http://schemas.openxmlformats.org/drawingml/2006/main">
+<p:sld xmlns:a="http://schemas.openxmlformats.org/drawingml/2006/main" xmlns:r="http://schemas.openxmlformats.org/officeDocument/2006/relationships" xmlns:p="http://schemas.openxmlformats.org/presentationml/2006/main">
   <p:cSld>
     <p:spTree>
       <p:nvGrpSpPr>
@@ -3137,12 +3102,12 @@
       </p:grpSpPr>
       <p:sp>
         <p:nvSpPr>
-          <p:cNvPr name="TextBox 2" id="2"/>
-          <p:cNvSpPr txBox="true"/>
+          <p:cNvPr id="2" name="TextBox 2"/>
+          <p:cNvSpPr txBox="1"/>
           <p:nvPr/>
         </p:nvSpPr>
         <p:spPr>
-          <a:xfrm rot="0">
+          <a:xfrm>
             <a:off x="2874725" y="3967480"/>
             <a:ext cx="12538551" cy="2228215"/>
           </a:xfrm>
@@ -3151,7 +3116,7 @@
           </a:prstGeom>
         </p:spPr>
         <p:txBody>
-          <a:bodyPr anchor="t" rtlCol="false" tIns="0" lIns="0" bIns="0" rIns="0">
+          <a:bodyPr lIns="0" tIns="0" rIns="0" bIns="0" rtlCol="0" anchor="t">
             <a:spAutoFit/>
           </a:bodyPr>
           <a:lstStyle/>
@@ -3175,12 +3140,12 @@
       </p:sp>
       <p:sp>
         <p:nvSpPr>
-          <p:cNvPr name="TextBox 3" id="3"/>
-          <p:cNvSpPr txBox="true"/>
+          <p:cNvPr id="3" name="TextBox 3"/>
+          <p:cNvSpPr txBox="1"/>
           <p:nvPr/>
         </p:nvSpPr>
         <p:spPr>
-          <a:xfrm rot="0">
+          <a:xfrm>
             <a:off x="10687342" y="8962703"/>
             <a:ext cx="4357713" cy="721995"/>
           </a:xfrm>
@@ -3189,7 +3154,7 @@
           </a:prstGeom>
         </p:spPr>
         <p:txBody>
-          <a:bodyPr anchor="t" rtlCol="false" tIns="0" lIns="0" bIns="0" rIns="0">
+          <a:bodyPr lIns="0" tIns="0" rIns="0" bIns="0" rtlCol="0" anchor="t">
             <a:spAutoFit/>
           </a:bodyPr>
           <a:lstStyle/>
@@ -3213,12 +3178,12 @@
       </p:sp>
       <p:sp>
         <p:nvSpPr>
-          <p:cNvPr name="TextBox 4" id="4"/>
-          <p:cNvSpPr txBox="true"/>
+          <p:cNvPr id="4" name="TextBox 4"/>
+          <p:cNvSpPr txBox="1"/>
           <p:nvPr/>
         </p:nvSpPr>
         <p:spPr>
-          <a:xfrm rot="0">
+          <a:xfrm>
             <a:off x="14444929" y="8958873"/>
             <a:ext cx="4357713" cy="721995"/>
           </a:xfrm>
@@ -3227,7 +3192,7 @@
           </a:prstGeom>
         </p:spPr>
         <p:txBody>
-          <a:bodyPr anchor="t" rtlCol="false" tIns="0" lIns="0" bIns="0" rIns="0">
+          <a:bodyPr lIns="0" tIns="0" rIns="0" bIns="0" rtlCol="0" anchor="t">
             <a:spAutoFit/>
           </a:bodyPr>
           <a:lstStyle/>
@@ -3258,7 +3223,7 @@
 </file>
 
 <file path=ppt/slides/slide2.xml><?xml version="1.0" encoding="utf-8"?>
-<p:sld xmlns:p="http://schemas.openxmlformats.org/presentationml/2006/main" xmlns:a="http://schemas.openxmlformats.org/drawingml/2006/main">
+<p:sld xmlns:a="http://schemas.openxmlformats.org/drawingml/2006/main" xmlns:r="http://schemas.openxmlformats.org/officeDocument/2006/relationships" xmlns:p="http://schemas.openxmlformats.org/presentationml/2006/main">
   <p:cSld>
     <p:spTree>
       <p:nvGrpSpPr>
@@ -3276,12 +3241,12 @@
       </p:grpSpPr>
       <p:sp>
         <p:nvSpPr>
-          <p:cNvPr name="TextBox 2" id="2"/>
-          <p:cNvSpPr txBox="true"/>
+          <p:cNvPr id="2" name="TextBox 2"/>
+          <p:cNvSpPr txBox="1"/>
           <p:nvPr/>
         </p:nvSpPr>
         <p:spPr>
-          <a:xfrm rot="0">
+          <a:xfrm>
             <a:off x="2694592" y="1698426"/>
             <a:ext cx="12433339" cy="1309897"/>
           </a:xfrm>
@@ -3290,7 +3255,7 @@
           </a:prstGeom>
         </p:spPr>
         <p:txBody>
-          <a:bodyPr anchor="t" rtlCol="false" tIns="0" lIns="0" bIns="0" rIns="0">
+          <a:bodyPr lIns="0" tIns="0" rIns="0" bIns="0" rtlCol="0" anchor="t">
             <a:spAutoFit/>
           </a:bodyPr>
           <a:lstStyle/>
@@ -3314,12 +3279,12 @@
       </p:sp>
       <p:sp>
         <p:nvSpPr>
-          <p:cNvPr name="TextBox 3" id="3"/>
-          <p:cNvSpPr txBox="true"/>
+          <p:cNvPr id="3" name="TextBox 3"/>
+          <p:cNvSpPr txBox="1"/>
           <p:nvPr/>
         </p:nvSpPr>
         <p:spPr>
-          <a:xfrm rot="0">
+          <a:xfrm>
             <a:off x="1028700" y="3729261"/>
             <a:ext cx="16230600" cy="4202430"/>
           </a:xfrm>
@@ -3328,7 +3293,7 @@
           </a:prstGeom>
         </p:spPr>
         <p:txBody>
-          <a:bodyPr anchor="t" rtlCol="false" tIns="0" lIns="0" bIns="0" rIns="0">
+          <a:bodyPr lIns="0" tIns="0" rIns="0" bIns="0" rtlCol="0" anchor="t">
             <a:spAutoFit/>
           </a:bodyPr>
           <a:lstStyle/>
@@ -3359,7 +3324,7 @@
 </file>
 
 <file path=ppt/slides/slide3.xml><?xml version="1.0" encoding="utf-8"?>
-<p:sld xmlns:p="http://schemas.openxmlformats.org/presentationml/2006/main" xmlns:a="http://schemas.openxmlformats.org/drawingml/2006/main">
+<p:sld xmlns:a="http://schemas.openxmlformats.org/drawingml/2006/main" xmlns:r="http://schemas.openxmlformats.org/officeDocument/2006/relationships" xmlns:p="http://schemas.openxmlformats.org/presentationml/2006/main">
   <p:cSld>
     <p:spTree>
       <p:nvGrpSpPr>
@@ -3377,12 +3342,12 @@
       </p:grpSpPr>
       <p:sp>
         <p:nvSpPr>
-          <p:cNvPr name="TextBox 2" id="2"/>
-          <p:cNvSpPr txBox="true"/>
+          <p:cNvPr id="2" name="TextBox 2"/>
+          <p:cNvSpPr txBox="1"/>
           <p:nvPr/>
         </p:nvSpPr>
         <p:spPr>
-          <a:xfrm rot="0">
+          <a:xfrm>
             <a:off x="558087" y="1171575"/>
             <a:ext cx="8361522" cy="1185664"/>
           </a:xfrm>
@@ -3391,7 +3356,7 @@
           </a:prstGeom>
         </p:spPr>
         <p:txBody>
-          <a:bodyPr anchor="t" rtlCol="false" tIns="0" lIns="0" bIns="0" rIns="0">
+          <a:bodyPr lIns="0" tIns="0" rIns="0" bIns="0" rtlCol="0" anchor="t">
             <a:spAutoFit/>
           </a:bodyPr>
           <a:lstStyle/>
@@ -3415,12 +3380,12 @@
       </p:sp>
       <p:sp>
         <p:nvSpPr>
-          <p:cNvPr name="TextBox 3" id="3"/>
-          <p:cNvSpPr txBox="true"/>
+          <p:cNvPr id="3" name="TextBox 3"/>
+          <p:cNvSpPr txBox="1"/>
           <p:nvPr/>
         </p:nvSpPr>
         <p:spPr>
-          <a:xfrm rot="0">
+          <a:xfrm>
             <a:off x="2076252" y="3750344"/>
             <a:ext cx="6930395" cy="1844179"/>
           </a:xfrm>
@@ -3429,7 +3394,7 @@
           </a:prstGeom>
         </p:spPr>
         <p:txBody>
-          <a:bodyPr anchor="t" rtlCol="false" tIns="0" lIns="0" bIns="0" rIns="0">
+          <a:bodyPr lIns="0" tIns="0" rIns="0" bIns="0" rtlCol="0" anchor="t">
             <a:spAutoFit/>
           </a:bodyPr>
           <a:lstStyle/>
@@ -3453,12 +3418,12 @@
       </p:sp>
       <p:sp>
         <p:nvSpPr>
-          <p:cNvPr name="TextBox 4" id="4"/>
-          <p:cNvSpPr txBox="true"/>
+          <p:cNvPr id="4" name="TextBox 4"/>
+          <p:cNvSpPr txBox="1"/>
           <p:nvPr/>
         </p:nvSpPr>
         <p:spPr>
-          <a:xfrm rot="0">
+          <a:xfrm>
             <a:off x="10958134" y="3661856"/>
             <a:ext cx="6301166" cy="2233295"/>
           </a:xfrm>
@@ -3467,7 +3432,7 @@
           </a:prstGeom>
         </p:spPr>
         <p:txBody>
-          <a:bodyPr anchor="t" rtlCol="false" tIns="0" lIns="0" bIns="0" rIns="0">
+          <a:bodyPr lIns="0" tIns="0" rIns="0" bIns="0" rtlCol="0" anchor="t">
             <a:spAutoFit/>
           </a:bodyPr>
           <a:lstStyle/>
@@ -3491,12 +3456,12 @@
       </p:sp>
       <p:sp>
         <p:nvSpPr>
-          <p:cNvPr name="TextBox 5" id="5"/>
-          <p:cNvSpPr txBox="true"/>
+          <p:cNvPr id="5" name="TextBox 5"/>
+          <p:cNvSpPr txBox="1"/>
           <p:nvPr/>
         </p:nvSpPr>
         <p:spPr>
-          <a:xfrm rot="0">
+          <a:xfrm>
             <a:off x="2076252" y="3194271"/>
             <a:ext cx="6551630" cy="461457"/>
           </a:xfrm>
@@ -3505,7 +3470,7 @@
           </a:prstGeom>
         </p:spPr>
         <p:txBody>
-          <a:bodyPr anchor="t" rtlCol="false" tIns="0" lIns="0" bIns="0" rIns="0">
+          <a:bodyPr lIns="0" tIns="0" rIns="0" bIns="0" rtlCol="0" anchor="t">
             <a:spAutoFit/>
           </a:bodyPr>
           <a:lstStyle/>
@@ -3529,12 +3494,12 @@
       </p:sp>
       <p:sp>
         <p:nvSpPr>
-          <p:cNvPr name="TextBox 6" id="6"/>
-          <p:cNvSpPr txBox="true"/>
+          <p:cNvPr id="6" name="TextBox 6"/>
+          <p:cNvSpPr txBox="1"/>
           <p:nvPr/>
         </p:nvSpPr>
         <p:spPr>
-          <a:xfrm rot="0">
+          <a:xfrm>
             <a:off x="10958134" y="3150192"/>
             <a:ext cx="5956790" cy="425577"/>
           </a:xfrm>
@@ -3543,7 +3508,7 @@
           </a:prstGeom>
         </p:spPr>
         <p:txBody>
-          <a:bodyPr anchor="t" rtlCol="false" tIns="0" lIns="0" bIns="0" rIns="0">
+          <a:bodyPr lIns="0" tIns="0" rIns="0" bIns="0" rtlCol="0" anchor="t">
             <a:spAutoFit/>
           </a:bodyPr>
           <a:lstStyle/>
@@ -3567,12 +3532,12 @@
       </p:sp>
       <p:sp>
         <p:nvSpPr>
-          <p:cNvPr name="TextBox 7" id="7"/>
-          <p:cNvSpPr txBox="true"/>
+          <p:cNvPr id="7" name="TextBox 7"/>
+          <p:cNvSpPr txBox="1"/>
           <p:nvPr/>
         </p:nvSpPr>
         <p:spPr>
-          <a:xfrm rot="0">
+          <a:xfrm>
             <a:off x="2326716" y="7505846"/>
             <a:ext cx="6301166" cy="1109345"/>
           </a:xfrm>
@@ -3581,7 +3546,7 @@
           </a:prstGeom>
         </p:spPr>
         <p:txBody>
-          <a:bodyPr anchor="t" rtlCol="false" tIns="0" lIns="0" bIns="0" rIns="0">
+          <a:bodyPr lIns="0" tIns="0" rIns="0" bIns="0" rtlCol="0" anchor="t">
             <a:spAutoFit/>
           </a:bodyPr>
           <a:lstStyle/>
@@ -3605,12 +3570,12 @@
       </p:sp>
       <p:sp>
         <p:nvSpPr>
-          <p:cNvPr name="TextBox 8" id="8"/>
-          <p:cNvSpPr txBox="true"/>
+          <p:cNvPr id="8" name="TextBox 8"/>
+          <p:cNvSpPr txBox="1"/>
           <p:nvPr/>
         </p:nvSpPr>
         <p:spPr>
-          <a:xfrm rot="0">
+          <a:xfrm>
             <a:off x="2326716" y="6994183"/>
             <a:ext cx="5956790" cy="425577"/>
           </a:xfrm>
@@ -3619,7 +3584,7 @@
           </a:prstGeom>
         </p:spPr>
         <p:txBody>
-          <a:bodyPr anchor="t" rtlCol="false" tIns="0" lIns="0" bIns="0" rIns="0">
+          <a:bodyPr lIns="0" tIns="0" rIns="0" bIns="0" rtlCol="0" anchor="t">
             <a:spAutoFit/>
           </a:bodyPr>
           <a:lstStyle/>
@@ -3643,12 +3608,12 @@
       </p:sp>
       <p:sp>
         <p:nvSpPr>
-          <p:cNvPr name="TextBox 9" id="9"/>
-          <p:cNvSpPr txBox="true"/>
+          <p:cNvPr id="9" name="TextBox 9"/>
+          <p:cNvSpPr txBox="1"/>
           <p:nvPr/>
         </p:nvSpPr>
         <p:spPr>
-          <a:xfrm rot="0">
+          <a:xfrm>
             <a:off x="558087" y="1805673"/>
             <a:ext cx="1230658" cy="2854155"/>
           </a:xfrm>
@@ -3657,7 +3622,7 @@
           </a:prstGeom>
         </p:spPr>
         <p:txBody>
-          <a:bodyPr anchor="t" rtlCol="false" tIns="0" lIns="0" bIns="0" rIns="0">
+          <a:bodyPr lIns="0" tIns="0" rIns="0" bIns="0" rtlCol="0" anchor="t">
             <a:spAutoFit/>
           </a:bodyPr>
           <a:lstStyle/>
@@ -3681,12 +3646,12 @@
       </p:sp>
       <p:sp>
         <p:nvSpPr>
-          <p:cNvPr name="TextBox 10" id="10"/>
-          <p:cNvSpPr txBox="true"/>
+          <p:cNvPr id="10" name="TextBox 10"/>
+          <p:cNvSpPr txBox="1"/>
           <p:nvPr/>
         </p:nvSpPr>
         <p:spPr>
-          <a:xfrm rot="0">
+          <a:xfrm>
             <a:off x="9477260" y="1890312"/>
             <a:ext cx="1118923" cy="2597235"/>
           </a:xfrm>
@@ -3695,7 +3660,7 @@
           </a:prstGeom>
         </p:spPr>
         <p:txBody>
-          <a:bodyPr anchor="t" rtlCol="false" tIns="0" lIns="0" bIns="0" rIns="0">
+          <a:bodyPr lIns="0" tIns="0" rIns="0" bIns="0" rtlCol="0" anchor="t">
             <a:spAutoFit/>
           </a:bodyPr>
           <a:lstStyle/>
@@ -3719,12 +3684,12 @@
       </p:sp>
       <p:sp>
         <p:nvSpPr>
-          <p:cNvPr name="TextBox 11" id="11"/>
-          <p:cNvSpPr txBox="true"/>
+          <p:cNvPr id="11" name="TextBox 11"/>
+          <p:cNvSpPr txBox="1"/>
           <p:nvPr/>
         </p:nvSpPr>
         <p:spPr>
-          <a:xfrm rot="0">
+          <a:xfrm>
             <a:off x="736973" y="5734303"/>
             <a:ext cx="1118923" cy="2597235"/>
           </a:xfrm>
@@ -3733,7 +3698,7 @@
           </a:prstGeom>
         </p:spPr>
         <p:txBody>
-          <a:bodyPr anchor="t" rtlCol="false" tIns="0" lIns="0" bIns="0" rIns="0">
+          <a:bodyPr lIns="0" tIns="0" rIns="0" bIns="0" rtlCol="0" anchor="t">
             <a:spAutoFit/>
           </a:bodyPr>
           <a:lstStyle/>
@@ -3757,12 +3722,12 @@
       </p:sp>
       <p:sp>
         <p:nvSpPr>
-          <p:cNvPr name="TextBox 12" id="12"/>
-          <p:cNvSpPr txBox="true"/>
+          <p:cNvPr id="12" name="TextBox 12"/>
+          <p:cNvSpPr txBox="1"/>
           <p:nvPr/>
         </p:nvSpPr>
         <p:spPr>
-          <a:xfrm rot="0">
+          <a:xfrm>
             <a:off x="10733743" y="7603221"/>
             <a:ext cx="6301166" cy="2233295"/>
           </a:xfrm>
@@ -3771,7 +3736,7 @@
           </a:prstGeom>
         </p:spPr>
         <p:txBody>
-          <a:bodyPr anchor="t" rtlCol="false" tIns="0" lIns="0" bIns="0" rIns="0">
+          <a:bodyPr lIns="0" tIns="0" rIns="0" bIns="0" rtlCol="0" anchor="t">
             <a:spAutoFit/>
           </a:bodyPr>
           <a:lstStyle/>
@@ -3795,12 +3760,12 @@
       </p:sp>
       <p:sp>
         <p:nvSpPr>
-          <p:cNvPr name="TextBox 13" id="13"/>
-          <p:cNvSpPr txBox="true"/>
+          <p:cNvPr id="13" name="TextBox 13"/>
+          <p:cNvSpPr txBox="1"/>
           <p:nvPr/>
         </p:nvSpPr>
         <p:spPr>
-          <a:xfrm rot="0">
+          <a:xfrm>
             <a:off x="10733743" y="7091558"/>
             <a:ext cx="5956790" cy="425577"/>
           </a:xfrm>
@@ -3809,7 +3774,7 @@
           </a:prstGeom>
         </p:spPr>
         <p:txBody>
-          <a:bodyPr anchor="t" rtlCol="false" tIns="0" lIns="0" bIns="0" rIns="0">
+          <a:bodyPr lIns="0" tIns="0" rIns="0" bIns="0" rtlCol="0" anchor="t">
             <a:spAutoFit/>
           </a:bodyPr>
           <a:lstStyle/>
@@ -3833,12 +3798,12 @@
       </p:sp>
       <p:sp>
         <p:nvSpPr>
-          <p:cNvPr name="TextBox 14" id="14"/>
-          <p:cNvSpPr txBox="true"/>
+          <p:cNvPr id="14" name="TextBox 14"/>
+          <p:cNvSpPr txBox="1"/>
           <p:nvPr/>
         </p:nvSpPr>
         <p:spPr>
-          <a:xfrm rot="0">
+          <a:xfrm>
             <a:off x="9144000" y="5831678"/>
             <a:ext cx="1118923" cy="2597235"/>
           </a:xfrm>
@@ -3847,7 +3812,7 @@
           </a:prstGeom>
         </p:spPr>
         <p:txBody>
-          <a:bodyPr anchor="t" rtlCol="false" tIns="0" lIns="0" bIns="0" rIns="0">
+          <a:bodyPr lIns="0" tIns="0" rIns="0" bIns="0" rtlCol="0" anchor="t">
             <a:spAutoFit/>
           </a:bodyPr>
           <a:lstStyle/>
@@ -3878,7 +3843,7 @@
 </file>
 
 <file path=ppt/slides/slide4.xml><?xml version="1.0" encoding="utf-8"?>
-<p:sld xmlns:p="http://schemas.openxmlformats.org/presentationml/2006/main" xmlns:a="http://schemas.openxmlformats.org/drawingml/2006/main">
+<p:sld xmlns:a="http://schemas.openxmlformats.org/drawingml/2006/main" xmlns:r="http://schemas.openxmlformats.org/officeDocument/2006/relationships" xmlns:p="http://schemas.openxmlformats.org/presentationml/2006/main">
   <p:cSld>
     <p:spTree>
       <p:nvGrpSpPr>
@@ -3896,12 +3861,12 @@
       </p:grpSpPr>
       <p:sp>
         <p:nvSpPr>
-          <p:cNvPr name="TextBox 2" id="2"/>
-          <p:cNvSpPr txBox="true"/>
+          <p:cNvPr id="2" name="TextBox 2"/>
+          <p:cNvSpPr txBox="1"/>
           <p:nvPr/>
         </p:nvSpPr>
         <p:spPr>
-          <a:xfrm rot="0">
+          <a:xfrm>
             <a:off x="1097978" y="893531"/>
             <a:ext cx="15451750" cy="1135633"/>
           </a:xfrm>
@@ -3910,7 +3875,7 @@
           </a:prstGeom>
         </p:spPr>
         <p:txBody>
-          <a:bodyPr anchor="t" rtlCol="false" tIns="0" lIns="0" bIns="0" rIns="0">
+          <a:bodyPr lIns="0" tIns="0" rIns="0" bIns="0" rtlCol="0" anchor="t">
             <a:spAutoFit/>
           </a:bodyPr>
           <a:lstStyle/>
@@ -3934,12 +3899,12 @@
       </p:sp>
       <p:sp>
         <p:nvSpPr>
-          <p:cNvPr name="TextBox 3" id="3"/>
-          <p:cNvSpPr txBox="true"/>
+          <p:cNvPr id="3" name="TextBox 3"/>
+          <p:cNvSpPr txBox="1"/>
           <p:nvPr/>
         </p:nvSpPr>
         <p:spPr>
-          <a:xfrm rot="0">
+          <a:xfrm>
             <a:off x="1028700" y="2438740"/>
             <a:ext cx="16230600" cy="3841388"/>
           </a:xfrm>
@@ -3948,7 +3913,7 @@
           </a:prstGeom>
         </p:spPr>
         <p:txBody>
-          <a:bodyPr anchor="t" rtlCol="false" tIns="0" lIns="0" bIns="0" rIns="0">
+          <a:bodyPr lIns="0" tIns="0" rIns="0" bIns="0" rtlCol="0" anchor="t">
             <a:spAutoFit/>
           </a:bodyPr>
           <a:lstStyle/>
@@ -3972,12 +3937,12 @@
       </p:sp>
       <p:sp>
         <p:nvSpPr>
-          <p:cNvPr name="TextBox 4" id="4"/>
-          <p:cNvSpPr txBox="true"/>
+          <p:cNvPr id="4" name="TextBox 4"/>
+          <p:cNvSpPr txBox="1"/>
           <p:nvPr/>
         </p:nvSpPr>
         <p:spPr>
-          <a:xfrm rot="0">
+          <a:xfrm>
             <a:off x="777831" y="6708752"/>
             <a:ext cx="16092044" cy="2831296"/>
           </a:xfrm>
@@ -3986,12 +3951,12 @@
           </a:prstGeom>
         </p:spPr>
         <p:txBody>
-          <a:bodyPr anchor="t" rtlCol="false" tIns="0" lIns="0" bIns="0" rIns="0">
+          <a:bodyPr lIns="0" tIns="0" rIns="0" bIns="0" rtlCol="0" anchor="t">
             <a:spAutoFit/>
           </a:bodyPr>
           <a:lstStyle/>
           <a:p>
-            <a:pPr marL="870436" indent="-435218" lvl="1">
+            <a:pPr marL="870436" lvl="1" indent="-435218">
               <a:lnSpc>
                 <a:spcPts val="5644"/>
               </a:lnSpc>
@@ -4028,7 +3993,7 @@
 </file>
 
 <file path=ppt/slides/slide5.xml><?xml version="1.0" encoding="utf-8"?>
-<p:sld xmlns:p="http://schemas.openxmlformats.org/presentationml/2006/main" xmlns:a="http://schemas.openxmlformats.org/drawingml/2006/main">
+<p:sld xmlns:a="http://schemas.openxmlformats.org/drawingml/2006/main" xmlns:r="http://schemas.openxmlformats.org/officeDocument/2006/relationships" xmlns:p="http://schemas.openxmlformats.org/presentationml/2006/main">
   <p:cSld>
     <p:spTree>
       <p:nvGrpSpPr>
@@ -4046,12 +4011,12 @@
       </p:grpSpPr>
       <p:sp>
         <p:nvSpPr>
-          <p:cNvPr name="TextBox 2" id="2"/>
-          <p:cNvSpPr txBox="true"/>
+          <p:cNvPr id="2" name="TextBox 2"/>
+          <p:cNvSpPr txBox="1"/>
           <p:nvPr/>
         </p:nvSpPr>
         <p:spPr>
-          <a:xfrm rot="0">
+          <a:xfrm>
             <a:off x="1028700" y="412910"/>
             <a:ext cx="16092044" cy="1402546"/>
           </a:xfrm>
@@ -4060,12 +4025,12 @@
           </a:prstGeom>
         </p:spPr>
         <p:txBody>
-          <a:bodyPr anchor="t" rtlCol="false" tIns="0" lIns="0" bIns="0" rIns="0">
+          <a:bodyPr lIns="0" tIns="0" rIns="0" bIns="0" rtlCol="0" anchor="t">
             <a:spAutoFit/>
           </a:bodyPr>
           <a:lstStyle/>
           <a:p>
-            <a:pPr marL="870436" indent="-435218" lvl="1">
+            <a:pPr marL="870436" lvl="1" indent="-435218">
               <a:lnSpc>
                 <a:spcPts val="5644"/>
               </a:lnSpc>
@@ -4095,12 +4060,12 @@
       </p:sp>
       <p:sp>
         <p:nvSpPr>
-          <p:cNvPr name="TextBox 3" id="3"/>
-          <p:cNvSpPr txBox="true"/>
+          <p:cNvPr id="3" name="TextBox 3"/>
+          <p:cNvSpPr txBox="1"/>
           <p:nvPr/>
         </p:nvSpPr>
         <p:spPr>
-          <a:xfrm rot="0">
+          <a:xfrm>
             <a:off x="1028700" y="2322426"/>
             <a:ext cx="16092044" cy="1402546"/>
           </a:xfrm>
@@ -4109,12 +4074,12 @@
           </a:prstGeom>
         </p:spPr>
         <p:txBody>
-          <a:bodyPr anchor="t" rtlCol="false" tIns="0" lIns="0" bIns="0" rIns="0">
+          <a:bodyPr lIns="0" tIns="0" rIns="0" bIns="0" rtlCol="0" anchor="t">
             <a:spAutoFit/>
           </a:bodyPr>
           <a:lstStyle/>
           <a:p>
-            <a:pPr marL="870436" indent="-435218" lvl="1">
+            <a:pPr marL="870436" lvl="1" indent="-435218">
               <a:lnSpc>
                 <a:spcPts val="5644"/>
               </a:lnSpc>
@@ -4144,12 +4109,12 @@
       </p:sp>
       <p:sp>
         <p:nvSpPr>
-          <p:cNvPr name="TextBox 4" id="4"/>
-          <p:cNvSpPr txBox="true"/>
+          <p:cNvPr id="4" name="TextBox 4"/>
+          <p:cNvSpPr txBox="1"/>
           <p:nvPr/>
         </p:nvSpPr>
         <p:spPr>
-          <a:xfrm rot="0">
+          <a:xfrm>
             <a:off x="1028700" y="6137168"/>
             <a:ext cx="16230600" cy="2116921"/>
           </a:xfrm>
@@ -4158,12 +4123,12 @@
           </a:prstGeom>
         </p:spPr>
         <p:txBody>
-          <a:bodyPr anchor="t" rtlCol="false" tIns="0" lIns="0" bIns="0" rIns="0">
+          <a:bodyPr lIns="0" tIns="0" rIns="0" bIns="0" rtlCol="0" anchor="t">
             <a:spAutoFit/>
           </a:bodyPr>
           <a:lstStyle/>
           <a:p>
-            <a:pPr marL="870436" indent="-435218" lvl="1">
+            <a:pPr marL="870436" lvl="1" indent="-435218">
               <a:lnSpc>
                 <a:spcPts val="5644"/>
               </a:lnSpc>
@@ -4193,12 +4158,12 @@
       </p:sp>
       <p:sp>
         <p:nvSpPr>
-          <p:cNvPr name="TextBox 5" id="5"/>
-          <p:cNvSpPr txBox="true"/>
+          <p:cNvPr id="5" name="TextBox 5"/>
+          <p:cNvSpPr txBox="1"/>
           <p:nvPr/>
         </p:nvSpPr>
         <p:spPr>
-          <a:xfrm rot="0">
+          <a:xfrm>
             <a:off x="1097978" y="4229797"/>
             <a:ext cx="16161322" cy="1402546"/>
           </a:xfrm>
@@ -4207,12 +4172,12 @@
           </a:prstGeom>
         </p:spPr>
         <p:txBody>
-          <a:bodyPr anchor="t" rtlCol="false" tIns="0" lIns="0" bIns="0" rIns="0">
+          <a:bodyPr lIns="0" tIns="0" rIns="0" bIns="0" rtlCol="0" anchor="t">
             <a:spAutoFit/>
           </a:bodyPr>
           <a:lstStyle/>
           <a:p>
-            <a:pPr marL="870436" indent="-435218" lvl="1">
+            <a:pPr marL="870436" lvl="1" indent="-435218">
               <a:lnSpc>
                 <a:spcPts val="5644"/>
               </a:lnSpc>
@@ -4242,12 +4207,12 @@
       </p:sp>
       <p:sp>
         <p:nvSpPr>
-          <p:cNvPr name="TextBox 6" id="6"/>
-          <p:cNvSpPr txBox="true"/>
+          <p:cNvPr id="6" name="TextBox 6"/>
+          <p:cNvSpPr txBox="1"/>
           <p:nvPr/>
         </p:nvSpPr>
         <p:spPr>
-          <a:xfrm rot="0">
+          <a:xfrm>
             <a:off x="1028700" y="8518927"/>
             <a:ext cx="16230600" cy="1402546"/>
           </a:xfrm>
@@ -4256,12 +4221,12 @@
           </a:prstGeom>
         </p:spPr>
         <p:txBody>
-          <a:bodyPr anchor="t" rtlCol="false" tIns="0" lIns="0" bIns="0" rIns="0">
+          <a:bodyPr lIns="0" tIns="0" rIns="0" bIns="0" rtlCol="0" anchor="t">
             <a:spAutoFit/>
           </a:bodyPr>
           <a:lstStyle/>
           <a:p>
-            <a:pPr marL="870436" indent="-435218" lvl="1">
+            <a:pPr marL="870436" lvl="1" indent="-435218">
               <a:lnSpc>
                 <a:spcPts val="5644"/>
               </a:lnSpc>
@@ -4269,16 +4234,25 @@
               <a:buChar char="•"/>
             </a:pPr>
             <a:r>
-              <a:rPr lang="en-US" sz="4031">
+              <a:rPr lang="en-US" sz="4031" dirty="0" err="1">
                 <a:solidFill>
                   <a:srgbClr val="8134D8"/>
                 </a:solidFill>
                 <a:latin typeface="Canva Sans Bold"/>
               </a:rPr>
-              <a:t>selectionSort(): </a:t>
-            </a:r>
-            <a:r>
-              <a:rPr lang="en-US" sz="4031">
+              <a:t>bubbleSort</a:t>
+            </a:r>
+            <a:r>
+              <a:rPr lang="en-US" sz="4031" dirty="0">
+                <a:solidFill>
+                  <a:srgbClr val="8134D8"/>
+                </a:solidFill>
+                <a:latin typeface="Canva Sans Bold"/>
+              </a:rPr>
+              <a:t>(): </a:t>
+            </a:r>
+            <a:r>
+              <a:rPr lang="en-US" sz="4031" dirty="0">
                 <a:solidFill>
                   <a:srgbClr val="000000"/>
                 </a:solidFill>
@@ -4298,7 +4272,7 @@
 </file>
 
 <file path=ppt/slides/slide6.xml><?xml version="1.0" encoding="utf-8"?>
-<p:sld xmlns:p="http://schemas.openxmlformats.org/presentationml/2006/main" xmlns:a="http://schemas.openxmlformats.org/drawingml/2006/main">
+<p:sld xmlns:a="http://schemas.openxmlformats.org/drawingml/2006/main" xmlns:r="http://schemas.openxmlformats.org/officeDocument/2006/relationships" xmlns:p="http://schemas.openxmlformats.org/presentationml/2006/main">
   <p:cSld>
     <p:spTree>
       <p:nvGrpSpPr>
@@ -4316,21 +4290,21 @@
       </p:grpSpPr>
       <p:sp>
         <p:nvSpPr>
-          <p:cNvPr name="TextBox 2" id="2"/>
-          <p:cNvSpPr txBox="true"/>
+          <p:cNvPr id="2" name="TextBox 2"/>
+          <p:cNvSpPr txBox="1"/>
           <p:nvPr/>
         </p:nvSpPr>
         <p:spPr>
-          <a:xfrm rot="0">
+          <a:xfrm>
             <a:off x="849201" y="1208981"/>
-            <a:ext cx="16589599" cy="7783312"/>
+            <a:ext cx="16589599" cy="7899278"/>
           </a:xfrm>
           <a:prstGeom prst="rect">
             <a:avLst/>
           </a:prstGeom>
         </p:spPr>
         <p:txBody>
-          <a:bodyPr anchor="t" rtlCol="false" tIns="0" lIns="0" bIns="0" rIns="0">
+          <a:bodyPr lIns="0" tIns="0" rIns="0" bIns="0" rtlCol="0" anchor="t">
             <a:spAutoFit/>
           </a:bodyPr>
           <a:lstStyle/>
@@ -4341,7 +4315,7 @@
               </a:lnSpc>
             </a:pPr>
             <a:r>
-              <a:rPr lang="en-US" sz="4445">
+              <a:rPr lang="en-US" sz="4445" dirty="0">
                 <a:solidFill>
                   <a:srgbClr val="000000"/>
                 </a:solidFill>
@@ -4356,6 +4330,12 @@
                 <a:spcPts val="6223"/>
               </a:lnSpc>
             </a:pPr>
+            <a:endParaRPr lang="en-US" sz="4445" dirty="0">
+              <a:solidFill>
+                <a:srgbClr val="000000"/>
+              </a:solidFill>
+              <a:latin typeface="Canva Sans"/>
+            </a:endParaRPr>
           </a:p>
           <a:p>
             <a:pPr>
@@ -4364,13 +4344,13 @@
               </a:lnSpc>
             </a:pPr>
             <a:r>
-              <a:rPr lang="en-US" sz="4445">
+              <a:rPr lang="en-US" sz="4445" dirty="0">
                 <a:solidFill>
                   <a:srgbClr val="000000"/>
                 </a:solidFill>
                 <a:latin typeface="Canva Sans"/>
               </a:rPr>
-              <a:t>This program uses the selection sort to arrange the contacts in alphabetical order.</a:t>
+              <a:t>This program uses the bubble sort to arrange the contacts in alphabetical order.</a:t>
             </a:r>
           </a:p>
           <a:p>
@@ -4379,6 +4359,12 @@
                 <a:spcPts val="6223"/>
               </a:lnSpc>
             </a:pPr>
+            <a:endParaRPr lang="en-US" sz="4445" dirty="0">
+              <a:solidFill>
+                <a:srgbClr val="000000"/>
+              </a:solidFill>
+              <a:latin typeface="Canva Sans"/>
+            </a:endParaRPr>
           </a:p>
           <a:p>
             <a:pPr>
@@ -4387,7 +4373,7 @@
               </a:lnSpc>
             </a:pPr>
             <a:r>
-              <a:rPr lang="en-US" sz="4445">
+              <a:rPr lang="en-US" sz="4445" dirty="0">
                 <a:solidFill>
                   <a:srgbClr val="000000"/>
                 </a:solidFill>
@@ -4407,7 +4393,7 @@
 </file>
 
 <file path=ppt/slides/slide7.xml><?xml version="1.0" encoding="utf-8"?>
-<p:sld xmlns:p="http://schemas.openxmlformats.org/presentationml/2006/main" xmlns:a="http://schemas.openxmlformats.org/drawingml/2006/main">
+<p:sld xmlns:a="http://schemas.openxmlformats.org/drawingml/2006/main" xmlns:r="http://schemas.openxmlformats.org/officeDocument/2006/relationships" xmlns:p="http://schemas.openxmlformats.org/presentationml/2006/main">
   <p:cSld>
     <p:spTree>
       <p:nvGrpSpPr>
@@ -4425,12 +4411,12 @@
       </p:grpSpPr>
       <p:sp>
         <p:nvSpPr>
-          <p:cNvPr name="TextBox 2" id="2"/>
-          <p:cNvSpPr txBox="true"/>
+          <p:cNvPr id="2" name="TextBox 2"/>
+          <p:cNvSpPr txBox="1"/>
           <p:nvPr/>
         </p:nvSpPr>
         <p:spPr>
-          <a:xfrm rot="0">
+          <a:xfrm>
             <a:off x="4603237" y="4274503"/>
             <a:ext cx="9081526" cy="1566544"/>
           </a:xfrm>
@@ -4439,7 +4425,7 @@
           </a:prstGeom>
         </p:spPr>
         <p:txBody>
-          <a:bodyPr anchor="t" rtlCol="false" tIns="0" lIns="0" bIns="0" rIns="0">
+          <a:bodyPr lIns="0" tIns="0" rIns="0" bIns="0" rtlCol="0" anchor="t">
             <a:spAutoFit/>
           </a:bodyPr>
           <a:lstStyle/>
